--- a/SemanticProjectGroup9Presentation.pptx
+++ b/SemanticProjectGroup9Presentation.pptx
@@ -120,7 +120,16 @@
       </a:defRPr>
     </a:lvl9pPr>
   </p:defaultTextStyle>
+  <p:extLst>
+    <p:ext uri="{EFAFB233-063F-42B5-8137-9DF3F51BA10A}">
+      <p15:sldGuideLst xmlns:p15="http://schemas.microsoft.com/office/powerpoint/2012/main"/>
+    </p:ext>
+  </p:extLst>
 </p:presentation>
+</file>
+
+<file path=ppt/revisionInfo.xml><?xml version="1.0" encoding="utf-8"?>
+<p1510:revInfo xmlns:a="http://schemas.openxmlformats.org/drawingml/2006/main" xmlns:r="http://schemas.openxmlformats.org/officeDocument/2006/relationships" xmlns:p1510="http://schemas.microsoft.com/office/powerpoint/2015/10/main"/>
 </file>
 
 <file path=ppt/slideLayouts/slideLayout1.xml><?xml version="1.0" encoding="utf-8"?>
@@ -299,7 +308,7 @@
           </a:lstStyle>
           <a:p>
             <a:r>
-              <a:rPr lang="en-US" smtClean="0"/>
+              <a:rPr lang="en-US"/>
               <a:t>Click to edit Master title style</a:t>
             </a:r>
             <a:endParaRPr lang="en-US" dirty="0"/>
@@ -419,7 +428,7 @@
           </a:lstStyle>
           <a:p>
             <a:r>
-              <a:rPr lang="en-US" smtClean="0"/>
+              <a:rPr lang="en-US"/>
               <a:t>Click to edit Master subtitle style</a:t>
             </a:r>
             <a:endParaRPr lang="en-US" dirty="0"/>
@@ -459,7 +468,7 @@
             <a:fld id="{5923F103-BC34-4FE4-A40E-EDDEECFDA5D0}" type="datetimeFigureOut">
               <a:rPr lang="en-US" dirty="0"/>
               <a:pPr/>
-              <a:t>11/21/17</a:t>
+              <a:t>12/4/2017</a:t>
             </a:fld>
             <a:endParaRPr lang="en-US" dirty="0"/>
           </a:p>
@@ -1370,7 +1379,7 @@
           </a:lstStyle>
           <a:p>
             <a:r>
-              <a:rPr lang="en-US" smtClean="0"/>
+              <a:rPr lang="en-US"/>
               <a:t>Click to edit Master title style</a:t>
             </a:r>
             <a:endParaRPr lang="en-US" dirty="0"/>
@@ -1449,7 +1458,7 @@
           </a:lstStyle>
           <a:p>
             <a:r>
-              <a:rPr lang="en-US" smtClean="0"/>
+              <a:rPr lang="en-US"/>
               <a:t>Drag picture to placeholder or click icon to add</a:t>
             </a:r>
             <a:endParaRPr lang="en-US" dirty="0"/>
@@ -1524,7 +1533,7 @@
           <a:p>
             <a:pPr lvl="0"/>
             <a:r>
-              <a:rPr lang="en-US" smtClean="0"/>
+              <a:rPr lang="en-US"/>
               <a:t>Click to edit Master text styles</a:t>
             </a:r>
           </a:p>
@@ -1547,7 +1556,7 @@
           <a:p>
             <a:fld id="{923A1CC3-2375-41D4-9E03-427CAF2A4C1A}" type="datetimeFigureOut">
               <a:rPr lang="en-US" dirty="0"/>
-              <a:t>11/21/17</a:t>
+              <a:t>12/4/2017</a:t>
             </a:fld>
             <a:endParaRPr lang="en-US" dirty="0"/>
           </a:p>
@@ -2436,7 +2445,7 @@
           </a:lstStyle>
           <a:p>
             <a:r>
-              <a:rPr lang="en-US" smtClean="0"/>
+              <a:rPr lang="en-US"/>
               <a:t>Click to edit Master title style</a:t>
             </a:r>
             <a:endParaRPr lang="en-US" dirty="0"/>
@@ -2504,7 +2513,7 @@
           <a:p>
             <a:pPr lvl="0"/>
             <a:r>
-              <a:rPr lang="en-US" smtClean="0"/>
+              <a:rPr lang="en-US"/>
               <a:t>Click to edit Master text styles</a:t>
             </a:r>
           </a:p>
@@ -2527,7 +2536,7 @@
           <a:p>
             <a:fld id="{AFF16868-8199-4C2C-A5B1-63AEE139F88E}" type="datetimeFigureOut">
               <a:rPr lang="en-US" dirty="0"/>
-              <a:t>11/21/17</a:t>
+              <a:t>12/4/2017</a:t>
             </a:fld>
             <a:endParaRPr lang="en-US" dirty="0"/>
           </a:p>
@@ -3494,7 +3503,7 @@
           </a:lstStyle>
           <a:p>
             <a:r>
-              <a:rPr lang="en-US" smtClean="0"/>
+              <a:rPr lang="en-US"/>
               <a:t>Click to edit Master title style</a:t>
             </a:r>
             <a:endParaRPr lang="en-US" dirty="0"/>
@@ -3571,7 +3580,7 @@
           <a:p>
             <a:pPr lvl="0"/>
             <a:r>
-              <a:rPr lang="en-US" smtClean="0"/>
+              <a:rPr lang="en-US"/>
               <a:t>Click to edit Master text styles</a:t>
             </a:r>
           </a:p>
@@ -3638,7 +3647,7 @@
           <a:p>
             <a:pPr lvl="0"/>
             <a:r>
-              <a:rPr lang="en-US" smtClean="0"/>
+              <a:rPr lang="en-US"/>
               <a:t>Click to edit Master text styles</a:t>
             </a:r>
           </a:p>
@@ -3661,7 +3670,7 @@
           <a:p>
             <a:fld id="{AAD9FF7F-6988-44CC-821B-644E70CD2F73}" type="datetimeFigureOut">
               <a:rPr lang="en-US" dirty="0"/>
-              <a:t>11/21/17</a:t>
+              <a:t>12/4/2017</a:t>
             </a:fld>
             <a:endParaRPr lang="en-US" dirty="0"/>
           </a:p>
@@ -4550,7 +4559,7 @@
           </a:lstStyle>
           <a:p>
             <a:r>
-              <a:rPr lang="en-US" smtClean="0"/>
+              <a:rPr lang="en-US"/>
               <a:t>Click to edit Master title style</a:t>
             </a:r>
             <a:endParaRPr lang="en-US" dirty="0"/>
@@ -4671,7 +4680,7 @@
           <a:p>
             <a:pPr lvl="0"/>
             <a:r>
-              <a:rPr lang="en-US" smtClean="0"/>
+              <a:rPr lang="en-US"/>
               <a:t>Click to edit Master text styles</a:t>
             </a:r>
           </a:p>
@@ -4694,7 +4703,7 @@
           <a:p>
             <a:fld id="{5C12C299-16B2-4475-990D-751901EACC14}" type="datetimeFigureOut">
               <a:rPr lang="en-US" dirty="0"/>
-              <a:t>11/21/17</a:t>
+              <a:t>12/4/2017</a:t>
             </a:fld>
             <a:endParaRPr lang="en-US" dirty="0"/>
           </a:p>
@@ -4833,7 +4842,7 @@
           </a:lstStyle>
           <a:p>
             <a:r>
-              <a:rPr lang="en-US" smtClean="0"/>
+              <a:rPr lang="en-US"/>
               <a:t>Click to edit Master title style</a:t>
             </a:r>
             <a:endParaRPr lang="en-US" dirty="0"/>
@@ -4908,7 +4917,7 @@
           <a:p>
             <a:pPr lvl="0"/>
             <a:r>
-              <a:rPr lang="en-US" smtClean="0"/>
+              <a:rPr lang="en-US"/>
               <a:t>Click to edit Master text styles</a:t>
             </a:r>
           </a:p>
@@ -4975,7 +4984,7 @@
           <a:p>
             <a:pPr lvl="0"/>
             <a:r>
-              <a:rPr lang="en-US" smtClean="0"/>
+              <a:rPr lang="en-US"/>
               <a:t>Click to edit Master text styles</a:t>
             </a:r>
           </a:p>
@@ -5049,7 +5058,7 @@
           <a:p>
             <a:pPr lvl="0"/>
             <a:r>
-              <a:rPr lang="en-US" smtClean="0"/>
+              <a:rPr lang="en-US"/>
               <a:t>Click to edit Master text styles</a:t>
             </a:r>
           </a:p>
@@ -5116,7 +5125,7 @@
           <a:p>
             <a:pPr lvl="0"/>
             <a:r>
-              <a:rPr lang="en-US" smtClean="0"/>
+              <a:rPr lang="en-US"/>
               <a:t>Click to edit Master text styles</a:t>
             </a:r>
           </a:p>
@@ -5190,7 +5199,7 @@
           <a:p>
             <a:pPr lvl="0"/>
             <a:r>
-              <a:rPr lang="en-US" smtClean="0"/>
+              <a:rPr lang="en-US"/>
               <a:t>Click to edit Master text styles</a:t>
             </a:r>
           </a:p>
@@ -5257,7 +5266,7 @@
           <a:p>
             <a:pPr lvl="0"/>
             <a:r>
-              <a:rPr lang="en-US" smtClean="0"/>
+              <a:rPr lang="en-US"/>
               <a:t>Click to edit Master text styles</a:t>
             </a:r>
           </a:p>
@@ -5354,7 +5363,7 @@
           <a:p>
             <a:fld id="{9FE86839-B9D8-4651-8783-F325ECE74E65}" type="datetimeFigureOut">
               <a:rPr lang="en-US" dirty="0"/>
-              <a:t>11/21/17</a:t>
+              <a:t>12/4/2017</a:t>
             </a:fld>
             <a:endParaRPr lang="en-US" dirty="0"/>
           </a:p>
@@ -5457,7 +5466,7 @@
           </a:lstStyle>
           <a:p>
             <a:r>
-              <a:rPr lang="en-US" smtClean="0"/>
+              <a:rPr lang="en-US"/>
               <a:t>Click to edit Master title style</a:t>
             </a:r>
             <a:endParaRPr lang="en-US" dirty="0"/>
@@ -5532,7 +5541,7 @@
           <a:p>
             <a:pPr lvl="0"/>
             <a:r>
-              <a:rPr lang="en-US" smtClean="0"/>
+              <a:rPr lang="en-US"/>
               <a:t>Click to edit Master text styles</a:t>
             </a:r>
           </a:p>
@@ -5610,7 +5619,7 @@
           </a:lstStyle>
           <a:p>
             <a:r>
-              <a:rPr lang="en-US" smtClean="0"/>
+              <a:rPr lang="en-US"/>
               <a:t>Drag picture to placeholder or click icon to add</a:t>
             </a:r>
             <a:endParaRPr lang="en-US" dirty="0"/>
@@ -5678,7 +5687,7 @@
           <a:p>
             <a:pPr lvl="0"/>
             <a:r>
-              <a:rPr lang="en-US" smtClean="0"/>
+              <a:rPr lang="en-US"/>
               <a:t>Click to edit Master text styles</a:t>
             </a:r>
           </a:p>
@@ -5752,7 +5761,7 @@
           <a:p>
             <a:pPr lvl="0"/>
             <a:r>
-              <a:rPr lang="en-US" smtClean="0"/>
+              <a:rPr lang="en-US"/>
               <a:t>Click to edit Master text styles</a:t>
             </a:r>
           </a:p>
@@ -5830,7 +5839,7 @@
           </a:lstStyle>
           <a:p>
             <a:r>
-              <a:rPr lang="en-US" smtClean="0"/>
+              <a:rPr lang="en-US"/>
               <a:t>Drag picture to placeholder or click icon to add</a:t>
             </a:r>
             <a:endParaRPr lang="en-US" dirty="0"/>
@@ -5898,7 +5907,7 @@
           <a:p>
             <a:pPr lvl="0"/>
             <a:r>
-              <a:rPr lang="en-US" smtClean="0"/>
+              <a:rPr lang="en-US"/>
               <a:t>Click to edit Master text styles</a:t>
             </a:r>
           </a:p>
@@ -5972,7 +5981,7 @@
           <a:p>
             <a:pPr lvl="0"/>
             <a:r>
-              <a:rPr lang="en-US" smtClean="0"/>
+              <a:rPr lang="en-US"/>
               <a:t>Click to edit Master text styles</a:t>
             </a:r>
           </a:p>
@@ -6050,7 +6059,7 @@
           </a:lstStyle>
           <a:p>
             <a:r>
-              <a:rPr lang="en-US" smtClean="0"/>
+              <a:rPr lang="en-US"/>
               <a:t>Drag picture to placeholder or click icon to add</a:t>
             </a:r>
             <a:endParaRPr lang="en-US" dirty="0"/>
@@ -6118,7 +6127,7 @@
           <a:p>
             <a:pPr lvl="0"/>
             <a:r>
-              <a:rPr lang="en-US" smtClean="0"/>
+              <a:rPr lang="en-US"/>
               <a:t>Click to edit Master text styles</a:t>
             </a:r>
           </a:p>
@@ -6215,7 +6224,7 @@
           <a:p>
             <a:fld id="{FD484F64-32F6-45C5-931F-ADC1662401D0}" type="datetimeFigureOut">
               <a:rPr lang="en-US" dirty="0"/>
-              <a:t>11/21/17</a:t>
+              <a:t>12/4/2017</a:t>
             </a:fld>
             <a:endParaRPr lang="en-US" dirty="0"/>
           </a:p>
@@ -6319,7 +6328,7 @@
           <a:lstStyle/>
           <a:p>
             <a:r>
-              <a:rPr lang="en-US" smtClean="0"/>
+              <a:rPr lang="en-US"/>
               <a:t>Click to edit Master title style</a:t>
             </a:r>
             <a:endParaRPr lang="en-US" dirty="0"/>
@@ -6348,35 +6357,35 @@
           <a:p>
             <a:pPr lvl="0"/>
             <a:r>
-              <a:rPr lang="en-US" smtClean="0"/>
+              <a:rPr lang="en-US"/>
               <a:t>Click to edit Master text styles</a:t>
             </a:r>
           </a:p>
           <a:p>
             <a:pPr lvl="1"/>
             <a:r>
-              <a:rPr lang="en-US" smtClean="0"/>
+              <a:rPr lang="en-US"/>
               <a:t>Second level</a:t>
             </a:r>
           </a:p>
           <a:p>
             <a:pPr lvl="2"/>
             <a:r>
-              <a:rPr lang="en-US" smtClean="0"/>
+              <a:rPr lang="en-US"/>
               <a:t>Third level</a:t>
             </a:r>
           </a:p>
           <a:p>
             <a:pPr lvl="3"/>
             <a:r>
-              <a:rPr lang="en-US" smtClean="0"/>
+              <a:rPr lang="en-US"/>
               <a:t>Fourth level</a:t>
             </a:r>
           </a:p>
           <a:p>
             <a:pPr lvl="4"/>
             <a:r>
-              <a:rPr lang="en-US" smtClean="0"/>
+              <a:rPr lang="en-US"/>
               <a:t>Fifth level</a:t>
             </a:r>
             <a:endParaRPr lang="en-US" dirty="0"/>
@@ -6405,7 +6414,7 @@
           <a:p>
             <a:fld id="{53086D93-FCAC-47E0-A2EE-787E62CA814C}" type="datetimeFigureOut">
               <a:rPr lang="en-US" dirty="0"/>
-              <a:t>11/21/17</a:t>
+              <a:t>12/4/2017</a:t>
             </a:fld>
             <a:endParaRPr lang="en-US" dirty="0"/>
           </a:p>
@@ -7291,7 +7300,7 @@
           <a:lstStyle/>
           <a:p>
             <a:r>
-              <a:rPr lang="en-US" smtClean="0"/>
+              <a:rPr lang="en-US"/>
               <a:t>Click to edit Master title style</a:t>
             </a:r>
             <a:endParaRPr lang="en-US" dirty="0"/>
@@ -7320,35 +7329,35 @@
           <a:p>
             <a:pPr lvl="0"/>
             <a:r>
-              <a:rPr lang="en-US" smtClean="0"/>
+              <a:rPr lang="en-US"/>
               <a:t>Click to edit Master text styles</a:t>
             </a:r>
           </a:p>
           <a:p>
             <a:pPr lvl="1"/>
             <a:r>
-              <a:rPr lang="en-US" smtClean="0"/>
+              <a:rPr lang="en-US"/>
               <a:t>Second level</a:t>
             </a:r>
           </a:p>
           <a:p>
             <a:pPr lvl="2"/>
             <a:r>
-              <a:rPr lang="en-US" smtClean="0"/>
+              <a:rPr lang="en-US"/>
               <a:t>Third level</a:t>
             </a:r>
           </a:p>
           <a:p>
             <a:pPr lvl="3"/>
             <a:r>
-              <a:rPr lang="en-US" smtClean="0"/>
+              <a:rPr lang="en-US"/>
               <a:t>Fourth level</a:t>
             </a:r>
           </a:p>
           <a:p>
             <a:pPr lvl="4"/>
             <a:r>
-              <a:rPr lang="en-US" smtClean="0"/>
+              <a:rPr lang="en-US"/>
               <a:t>Fifth level</a:t>
             </a:r>
             <a:endParaRPr lang="en-US" dirty="0"/>
@@ -7377,7 +7386,7 @@
           <a:p>
             <a:fld id="{CDA879A6-0FD0-4734-A311-86BFCA472E6E}" type="datetimeFigureOut">
               <a:rPr lang="en-US" dirty="0"/>
-              <a:t>11/21/17</a:t>
+              <a:t>12/4/2017</a:t>
             </a:fld>
             <a:endParaRPr lang="en-US" dirty="0"/>
           </a:p>
@@ -7507,7 +7516,7 @@
           <a:lstStyle/>
           <a:p>
             <a:r>
-              <a:rPr lang="en-US" smtClean="0"/>
+              <a:rPr lang="en-US"/>
               <a:t>Click to edit Master title style</a:t>
             </a:r>
             <a:endParaRPr lang="en-US" dirty="0"/>
@@ -7536,35 +7545,35 @@
           <a:p>
             <a:pPr lvl="0"/>
             <a:r>
-              <a:rPr lang="en-US" smtClean="0"/>
+              <a:rPr lang="en-US"/>
               <a:t>Click to edit Master text styles</a:t>
             </a:r>
           </a:p>
           <a:p>
             <a:pPr lvl="1"/>
             <a:r>
-              <a:rPr lang="en-US" smtClean="0"/>
+              <a:rPr lang="en-US"/>
               <a:t>Second level</a:t>
             </a:r>
           </a:p>
           <a:p>
             <a:pPr lvl="2"/>
             <a:r>
-              <a:rPr lang="en-US" smtClean="0"/>
+              <a:rPr lang="en-US"/>
               <a:t>Third level</a:t>
             </a:r>
           </a:p>
           <a:p>
             <a:pPr lvl="3"/>
             <a:r>
-              <a:rPr lang="en-US" smtClean="0"/>
+              <a:rPr lang="en-US"/>
               <a:t>Fourth level</a:t>
             </a:r>
           </a:p>
           <a:p>
             <a:pPr lvl="4"/>
             <a:r>
-              <a:rPr lang="en-US" smtClean="0"/>
+              <a:rPr lang="en-US"/>
               <a:t>Fifth level</a:t>
             </a:r>
             <a:endParaRPr lang="en-US" dirty="0"/>
@@ -7588,7 +7597,7 @@
           <a:p>
             <a:fld id="{19C9CA7B-DFD4-44B5-8C60-D14B8CD1FB59}" type="datetimeFigureOut">
               <a:rPr lang="en-US" dirty="0"/>
-              <a:t>11/21/17</a:t>
+              <a:t>12/4/2017</a:t>
             </a:fld>
             <a:endParaRPr lang="en-US" dirty="0"/>
           </a:p>
@@ -8478,7 +8487,7 @@
           </a:lstStyle>
           <a:p>
             <a:r>
-              <a:rPr lang="en-US" smtClean="0"/>
+              <a:rPr lang="en-US"/>
               <a:t>Click to edit Master title style</a:t>
             </a:r>
             <a:endParaRPr lang="en-US" dirty="0"/>
@@ -8599,7 +8608,7 @@
           <a:p>
             <a:pPr lvl="0"/>
             <a:r>
-              <a:rPr lang="en-US" smtClean="0"/>
+              <a:rPr lang="en-US"/>
               <a:t>Click to edit Master text styles</a:t>
             </a:r>
           </a:p>
@@ -8622,7 +8631,7 @@
           <a:p>
             <a:fld id="{F34E6425-0181-43F2-84FC-787E803FD2F8}" type="datetimeFigureOut">
               <a:rPr lang="en-US" dirty="0"/>
-              <a:t>11/21/17</a:t>
+              <a:t>12/4/2017</a:t>
             </a:fld>
             <a:endParaRPr lang="en-US" dirty="0"/>
           </a:p>
@@ -8752,7 +8761,7 @@
           <a:lstStyle/>
           <a:p>
             <a:r>
-              <a:rPr lang="en-US" smtClean="0"/>
+              <a:rPr lang="en-US"/>
               <a:t>Click to edit Master title style</a:t>
             </a:r>
             <a:endParaRPr lang="en-US" dirty="0"/>
@@ -8783,35 +8792,35 @@
           <a:p>
             <a:pPr lvl="0"/>
             <a:r>
-              <a:rPr lang="en-US" smtClean="0"/>
+              <a:rPr lang="en-US"/>
               <a:t>Click to edit Master text styles</a:t>
             </a:r>
           </a:p>
           <a:p>
             <a:pPr lvl="1"/>
             <a:r>
-              <a:rPr lang="en-US" smtClean="0"/>
+              <a:rPr lang="en-US"/>
               <a:t>Second level</a:t>
             </a:r>
           </a:p>
           <a:p>
             <a:pPr lvl="2"/>
             <a:r>
-              <a:rPr lang="en-US" smtClean="0"/>
+              <a:rPr lang="en-US"/>
               <a:t>Third level</a:t>
             </a:r>
           </a:p>
           <a:p>
             <a:pPr lvl="3"/>
             <a:r>
-              <a:rPr lang="en-US" smtClean="0"/>
+              <a:rPr lang="en-US"/>
               <a:t>Fourth level</a:t>
             </a:r>
           </a:p>
           <a:p>
             <a:pPr lvl="4"/>
             <a:r>
-              <a:rPr lang="en-US" smtClean="0"/>
+              <a:rPr lang="en-US"/>
               <a:t>Fifth level</a:t>
             </a:r>
             <a:endParaRPr lang="en-US" dirty="0"/>
@@ -8842,35 +8851,35 @@
           <a:p>
             <a:pPr lvl="0"/>
             <a:r>
-              <a:rPr lang="en-US" smtClean="0"/>
+              <a:rPr lang="en-US"/>
               <a:t>Click to edit Master text styles</a:t>
             </a:r>
           </a:p>
           <a:p>
             <a:pPr lvl="1"/>
             <a:r>
-              <a:rPr lang="en-US" smtClean="0"/>
+              <a:rPr lang="en-US"/>
               <a:t>Second level</a:t>
             </a:r>
           </a:p>
           <a:p>
             <a:pPr lvl="2"/>
             <a:r>
-              <a:rPr lang="en-US" smtClean="0"/>
+              <a:rPr lang="en-US"/>
               <a:t>Third level</a:t>
             </a:r>
           </a:p>
           <a:p>
             <a:pPr lvl="3"/>
             <a:r>
-              <a:rPr lang="en-US" smtClean="0"/>
+              <a:rPr lang="en-US"/>
               <a:t>Fourth level</a:t>
             </a:r>
           </a:p>
           <a:p>
             <a:pPr lvl="4"/>
             <a:r>
-              <a:rPr lang="en-US" smtClean="0"/>
+              <a:rPr lang="en-US"/>
               <a:t>Fifth level</a:t>
             </a:r>
             <a:endParaRPr lang="en-US" dirty="0"/>
@@ -8894,7 +8903,7 @@
           <a:p>
             <a:fld id="{3BDB8791-F1B0-41E7-B7FD-A781E65C4266}" type="datetimeFigureOut">
               <a:rPr lang="en-US" dirty="0"/>
-              <a:t>11/21/17</a:t>
+              <a:t>12/4/2017</a:t>
             </a:fld>
             <a:endParaRPr lang="en-US" dirty="0"/>
           </a:p>
@@ -8992,7 +9001,7 @@
           </a:lstStyle>
           <a:p>
             <a:r>
-              <a:rPr lang="en-US" smtClean="0"/>
+              <a:rPr lang="en-US"/>
               <a:t>Click to edit Master title style</a:t>
             </a:r>
             <a:endParaRPr lang="en-US" dirty="0"/>
@@ -9064,7 +9073,7 @@
           <a:p>
             <a:pPr lvl="0"/>
             <a:r>
-              <a:rPr lang="en-US" smtClean="0"/>
+              <a:rPr lang="en-US"/>
               <a:t>Click to edit Master text styles</a:t>
             </a:r>
           </a:p>
@@ -9094,35 +9103,35 @@
           <a:p>
             <a:pPr lvl="0"/>
             <a:r>
-              <a:rPr lang="en-US" smtClean="0"/>
+              <a:rPr lang="en-US"/>
               <a:t>Click to edit Master text styles</a:t>
             </a:r>
           </a:p>
           <a:p>
             <a:pPr lvl="1"/>
             <a:r>
-              <a:rPr lang="en-US" smtClean="0"/>
+              <a:rPr lang="en-US"/>
               <a:t>Second level</a:t>
             </a:r>
           </a:p>
           <a:p>
             <a:pPr lvl="2"/>
             <a:r>
-              <a:rPr lang="en-US" smtClean="0"/>
+              <a:rPr lang="en-US"/>
               <a:t>Third level</a:t>
             </a:r>
           </a:p>
           <a:p>
             <a:pPr lvl="3"/>
             <a:r>
-              <a:rPr lang="en-US" smtClean="0"/>
+              <a:rPr lang="en-US"/>
               <a:t>Fourth level</a:t>
             </a:r>
           </a:p>
           <a:p>
             <a:pPr lvl="4"/>
             <a:r>
-              <a:rPr lang="en-US" smtClean="0"/>
+              <a:rPr lang="en-US"/>
               <a:t>Fifth level</a:t>
             </a:r>
             <a:endParaRPr lang="en-US" dirty="0"/>
@@ -9194,7 +9203,7 @@
           <a:p>
             <a:pPr lvl="0"/>
             <a:r>
-              <a:rPr lang="en-US" smtClean="0"/>
+              <a:rPr lang="en-US"/>
               <a:t>Click to edit Master text styles</a:t>
             </a:r>
           </a:p>
@@ -9252,35 +9261,35 @@
           <a:p>
             <a:pPr lvl="0"/>
             <a:r>
-              <a:rPr lang="en-US" smtClean="0"/>
+              <a:rPr lang="en-US"/>
               <a:t>Click to edit Master text styles</a:t>
             </a:r>
           </a:p>
           <a:p>
             <a:pPr lvl="1"/>
             <a:r>
-              <a:rPr lang="en-US" smtClean="0"/>
+              <a:rPr lang="en-US"/>
               <a:t>Second level</a:t>
             </a:r>
           </a:p>
           <a:p>
             <a:pPr lvl="2"/>
             <a:r>
-              <a:rPr lang="en-US" smtClean="0"/>
+              <a:rPr lang="en-US"/>
               <a:t>Third level</a:t>
             </a:r>
           </a:p>
           <a:p>
             <a:pPr lvl="3"/>
             <a:r>
-              <a:rPr lang="en-US" smtClean="0"/>
+              <a:rPr lang="en-US"/>
               <a:t>Fourth level</a:t>
             </a:r>
           </a:p>
           <a:p>
             <a:pPr lvl="4"/>
             <a:r>
-              <a:rPr lang="en-US" smtClean="0"/>
+              <a:rPr lang="en-US"/>
               <a:t>Fifth level</a:t>
             </a:r>
             <a:endParaRPr lang="en-US" dirty="0"/>
@@ -9304,7 +9313,7 @@
           <a:p>
             <a:fld id="{5FDD63B2-E120-4ED8-B27B-C685F510A5FE}" type="datetimeFigureOut">
               <a:rPr lang="en-US" dirty="0"/>
-              <a:t>11/21/17</a:t>
+              <a:t>12/4/2017</a:t>
             </a:fld>
             <a:endParaRPr lang="en-US" dirty="0"/>
           </a:p>
@@ -9407,7 +9416,7 @@
           </a:lstStyle>
           <a:p>
             <a:r>
-              <a:rPr lang="en-US" smtClean="0"/>
+              <a:rPr lang="en-US"/>
               <a:t>Click to edit Master title style</a:t>
             </a:r>
             <a:endParaRPr lang="en-US" dirty="0"/>
@@ -9431,7 +9440,7 @@
           <a:p>
             <a:fld id="{7AA18ACC-A947-437B-A130-35BD54FDF1E9}" type="datetimeFigureOut">
               <a:rPr lang="en-US" dirty="0"/>
-              <a:t>11/21/17</a:t>
+              <a:t>12/4/2017</a:t>
             </a:fld>
             <a:endParaRPr lang="en-US" dirty="0"/>
           </a:p>
@@ -9526,7 +9535,7 @@
           <a:p>
             <a:fld id="{7C8D7E02-BCB8-4D50-A234-369438C08659}" type="datetimeFigureOut">
               <a:rPr lang="en-US" dirty="0"/>
-              <a:t>11/21/17</a:t>
+              <a:t>12/4/2017</a:t>
             </a:fld>
             <a:endParaRPr lang="en-US" dirty="0"/>
           </a:p>
@@ -10452,7 +10461,7 @@
           </a:lstStyle>
           <a:p>
             <a:r>
-              <a:rPr lang="en-US" smtClean="0"/>
+              <a:rPr lang="en-US"/>
               <a:t>Click to edit Master title style</a:t>
             </a:r>
             <a:endParaRPr lang="en-US" dirty="0"/>
@@ -10483,35 +10492,35 @@
           <a:p>
             <a:pPr lvl="0"/>
             <a:r>
-              <a:rPr lang="en-US" smtClean="0"/>
+              <a:rPr lang="en-US"/>
               <a:t>Click to edit Master text styles</a:t>
             </a:r>
           </a:p>
           <a:p>
             <a:pPr lvl="1"/>
             <a:r>
-              <a:rPr lang="en-US" smtClean="0"/>
+              <a:rPr lang="en-US"/>
               <a:t>Second level</a:t>
             </a:r>
           </a:p>
           <a:p>
             <a:pPr lvl="2"/>
             <a:r>
-              <a:rPr lang="en-US" smtClean="0"/>
+              <a:rPr lang="en-US"/>
               <a:t>Third level</a:t>
             </a:r>
           </a:p>
           <a:p>
             <a:pPr lvl="3"/>
             <a:r>
-              <a:rPr lang="en-US" smtClean="0"/>
+              <a:rPr lang="en-US"/>
               <a:t>Fourth level</a:t>
             </a:r>
           </a:p>
           <a:p>
             <a:pPr lvl="4"/>
             <a:r>
-              <a:rPr lang="en-US" smtClean="0"/>
+              <a:rPr lang="en-US"/>
               <a:t>Fifth level</a:t>
             </a:r>
             <a:endParaRPr lang="en-US" dirty="0"/>
@@ -10584,7 +10593,7 @@
           <a:p>
             <a:pPr lvl="0"/>
             <a:r>
-              <a:rPr lang="en-US" smtClean="0"/>
+              <a:rPr lang="en-US"/>
               <a:t>Click to edit Master text styles</a:t>
             </a:r>
           </a:p>
@@ -10607,7 +10616,7 @@
           <a:p>
             <a:fld id="{76E86A4C-8E40-4F87-A4F0-01A0687C5742}" type="datetimeFigureOut">
               <a:rPr lang="en-US" dirty="0"/>
-              <a:t>11/21/17</a:t>
+              <a:t>12/4/2017</a:t>
             </a:fld>
             <a:endParaRPr lang="en-US" dirty="0"/>
           </a:p>
@@ -11535,7 +11544,7 @@
           </a:lstStyle>
           <a:p>
             <a:r>
-              <a:rPr lang="en-US" smtClean="0"/>
+              <a:rPr lang="en-US"/>
               <a:t>Click to edit Master title style</a:t>
             </a:r>
             <a:endParaRPr lang="en-US" dirty="0"/>
@@ -11617,7 +11626,7 @@
               <a:buNone/>
             </a:pPr>
             <a:r>
-              <a:rPr lang="en-US" smtClean="0"/>
+              <a:rPr lang="en-US"/>
               <a:t>Drag picture to placeholder or click icon to add</a:t>
             </a:r>
             <a:endParaRPr lang="en-US" dirty="0"/>
@@ -11692,7 +11701,7 @@
           <a:p>
             <a:pPr lvl="0"/>
             <a:r>
-              <a:rPr lang="en-US" smtClean="0"/>
+              <a:rPr lang="en-US"/>
               <a:t>Click to edit Master text styles</a:t>
             </a:r>
           </a:p>
@@ -11715,7 +11724,7 @@
           <a:p>
             <a:fld id="{35E72C73-2D91-4E12-BA25-F0AA0C03599B}" type="datetimeFigureOut">
               <a:rPr lang="en-US" dirty="0"/>
-              <a:t>11/21/17</a:t>
+              <a:t>12/4/2017</a:t>
             </a:fld>
             <a:endParaRPr lang="en-US" dirty="0"/>
           </a:p>
@@ -12610,7 +12619,7 @@
           <a:lstStyle/>
           <a:p>
             <a:r>
-              <a:rPr lang="en-US" smtClean="0"/>
+              <a:rPr lang="en-US"/>
               <a:t>Click to edit Master title style</a:t>
             </a:r>
             <a:endParaRPr lang="en-US" dirty="0"/>
@@ -12644,35 +12653,35 @@
           <a:p>
             <a:pPr lvl="0"/>
             <a:r>
-              <a:rPr lang="en-US" smtClean="0"/>
+              <a:rPr lang="en-US"/>
               <a:t>Click to edit Master text styles</a:t>
             </a:r>
           </a:p>
           <a:p>
             <a:pPr lvl="1"/>
             <a:r>
-              <a:rPr lang="en-US" smtClean="0"/>
+              <a:rPr lang="en-US"/>
               <a:t>Second level</a:t>
             </a:r>
           </a:p>
           <a:p>
             <a:pPr lvl="2"/>
             <a:r>
-              <a:rPr lang="en-US" smtClean="0"/>
+              <a:rPr lang="en-US"/>
               <a:t>Third level</a:t>
             </a:r>
           </a:p>
           <a:p>
             <a:pPr lvl="3"/>
             <a:r>
-              <a:rPr lang="en-US" smtClean="0"/>
+              <a:rPr lang="en-US"/>
               <a:t>Fourth level</a:t>
             </a:r>
           </a:p>
           <a:p>
             <a:pPr lvl="4"/>
             <a:r>
-              <a:rPr lang="en-US" smtClean="0"/>
+              <a:rPr lang="en-US"/>
               <a:t>Fifth level</a:t>
             </a:r>
             <a:endParaRPr lang="en-US" dirty="0"/>
@@ -12712,7 +12721,7 @@
           <a:p>
             <a:fld id="{2BE451C3-0FF4-47C4-B829-773ADF60F88C}" type="datetimeFigureOut">
               <a:rPr lang="en-US" dirty="0"/>
-              <a:t>11/21/17</a:t>
+              <a:t>12/4/2017</a:t>
             </a:fld>
             <a:endParaRPr lang="en-US" dirty="0"/>
           </a:p>
@@ -13293,10 +13302,9 @@
           <a:lstStyle/>
           <a:p>
             <a:r>
-              <a:rPr lang="en-US" dirty="0" smtClean="0"/>
+              <a:rPr lang="en-US" dirty="0"/>
               <a:t>Easy Shop</a:t>
             </a:r>
-            <a:endParaRPr lang="en-US" dirty="0"/>
           </a:p>
         </p:txBody>
       </p:sp>
@@ -13323,84 +13331,83 @@
           <a:lstStyle/>
           <a:p>
             <a:r>
-              <a:rPr lang="en-US" dirty="0" smtClean="0"/>
+              <a:rPr lang="en-US" dirty="0"/>
               <a:t>										Tushar </a:t>
             </a:r>
             <a:r>
-              <a:rPr lang="en-US" dirty="0" err="1" smtClean="0"/>
+              <a:rPr lang="en-US" dirty="0" err="1"/>
               <a:t>pandit</a:t>
             </a:r>
             <a:r>
-              <a:rPr lang="en-US" dirty="0" smtClean="0"/>
+              <a:rPr lang="en-US" dirty="0"/>
               <a:t> - 1211219682 </a:t>
             </a:r>
           </a:p>
           <a:p>
             <a:r>
-              <a:rPr lang="en-US" dirty="0" smtClean="0"/>
+              <a:rPr lang="en-US" dirty="0"/>
               <a:t>										</a:t>
             </a:r>
             <a:r>
-              <a:rPr lang="en-US" dirty="0" err="1" smtClean="0"/>
+              <a:rPr lang="en-US" dirty="0" err="1"/>
               <a:t>Pushkar</a:t>
             </a:r>
             <a:r>
-              <a:rPr lang="en-US" dirty="0" smtClean="0"/>
+              <a:rPr lang="en-US" dirty="0"/>
               <a:t> </a:t>
             </a:r>
             <a:r>
-              <a:rPr lang="en-US" dirty="0" err="1" smtClean="0"/>
+              <a:rPr lang="en-US" dirty="0" err="1"/>
               <a:t>ladhe</a:t>
             </a:r>
             <a:r>
-              <a:rPr lang="en-US" dirty="0" smtClean="0"/>
+              <a:rPr lang="en-US" dirty="0"/>
               <a:t> - 1211222503</a:t>
             </a:r>
           </a:p>
           <a:p>
             <a:r>
-              <a:rPr lang="en-US" dirty="0" smtClean="0"/>
+              <a:rPr lang="en-US" dirty="0"/>
               <a:t>										</a:t>
             </a:r>
             <a:r>
-              <a:rPr lang="en-US" dirty="0" err="1" smtClean="0"/>
+              <a:rPr lang="en-US" dirty="0" err="1"/>
               <a:t>Mukulsingh</a:t>
             </a:r>
             <a:r>
-              <a:rPr lang="en-US" dirty="0" smtClean="0"/>
+              <a:rPr lang="en-US" dirty="0"/>
               <a:t> </a:t>
             </a:r>
             <a:r>
-              <a:rPr lang="en-US" dirty="0" err="1" smtClean="0"/>
+              <a:rPr lang="en-US" dirty="0" err="1"/>
               <a:t>jadhav</a:t>
             </a:r>
             <a:r>
-              <a:rPr lang="en-US" dirty="0" smtClean="0"/>
+              <a:rPr lang="en-US" dirty="0"/>
               <a:t> - 1211075200</a:t>
             </a:r>
           </a:p>
           <a:p>
             <a:r>
-              <a:rPr lang="en-US" dirty="0" smtClean="0"/>
+              <a:rPr lang="en-US" dirty="0"/>
               <a:t>										</a:t>
             </a:r>
             <a:r>
-              <a:rPr lang="en-US" dirty="0" err="1" smtClean="0"/>
+              <a:rPr lang="en-US" dirty="0" err="1"/>
               <a:t>Pranjal</a:t>
             </a:r>
             <a:r>
-              <a:rPr lang="en-US" dirty="0" smtClean="0"/>
+              <a:rPr lang="en-US" dirty="0"/>
               <a:t> </a:t>
             </a:r>
             <a:r>
-              <a:rPr lang="en-US" dirty="0" err="1" smtClean="0"/>
+              <a:rPr lang="en-US" dirty="0" err="1"/>
               <a:t>karankar</a:t>
             </a:r>
             <a:r>
-              <a:rPr lang="en-US" dirty="0" smtClean="0"/>
+              <a:rPr lang="en-US" dirty="0"/>
               <a:t> - 1211290961</a:t>
             </a:r>
-            <a:endParaRPr lang="en-US" dirty="0"/>
           </a:p>
         </p:txBody>
       </p:sp>
@@ -13414,13 +13421,6 @@
   <p:clrMapOvr>
     <a:masterClrMapping/>
   </p:clrMapOvr>
-  <p:timing>
-    <p:tnLst>
-      <p:par>
-        <p:cTn id="1" dur="indefinite" restart="never" nodeType="tmRoot"/>
-      </p:par>
-    </p:tnLst>
-  </p:timing>
 </p:sld>
 </file>
 
@@ -13499,13 +13499,6 @@
   <p:clrMapOvr>
     <a:masterClrMapping/>
   </p:clrMapOvr>
-  <p:timing>
-    <p:tnLst>
-      <p:par>
-        <p:cTn id="1" dur="indefinite" restart="never" nodeType="tmRoot"/>
-      </p:par>
-    </p:tnLst>
-  </p:timing>
 </p:sld>
 </file>
 
@@ -13584,13 +13577,6 @@
   <p:clrMapOvr>
     <a:masterClrMapping/>
   </p:clrMapOvr>
-  <p:timing>
-    <p:tnLst>
-      <p:par>
-        <p:cTn id="1" dur="indefinite" restart="never" nodeType="tmRoot"/>
-      </p:par>
-    </p:tnLst>
-  </p:timing>
 </p:sld>
 </file>
 
@@ -13669,13 +13655,6 @@
   <p:clrMapOvr>
     <a:masterClrMapping/>
   </p:clrMapOvr>
-  <p:timing>
-    <p:tnLst>
-      <p:par>
-        <p:cTn id="1" dur="indefinite" restart="never" nodeType="tmRoot"/>
-      </p:par>
-    </p:tnLst>
-  </p:timing>
 </p:sld>
 </file>
 
@@ -13754,13 +13733,6 @@
   <p:clrMapOvr>
     <a:masterClrMapping/>
   </p:clrMapOvr>
-  <p:timing>
-    <p:tnLst>
-      <p:par>
-        <p:cTn id="1" dur="indefinite" restart="never" nodeType="tmRoot"/>
-      </p:par>
-    </p:tnLst>
-  </p:timing>
 </p:sld>
 </file>
 
@@ -13823,57 +13795,57 @@
           <a:lstStyle/>
           <a:p>
             <a:r>
-              <a:rPr lang="en-US" dirty="0" smtClean="0"/>
+              <a:rPr lang="en-US" dirty="0"/>
               <a:t>Tool used - Google refine</a:t>
             </a:r>
           </a:p>
           <a:p>
-            <a:endParaRPr lang="en-US" dirty="0" smtClean="0"/>
-          </a:p>
-          <a:p>
-            <a:r>
-              <a:rPr lang="en-US" dirty="0" smtClean="0"/>
+            <a:endParaRPr lang="en-US" dirty="0"/>
+          </a:p>
+          <a:p>
+            <a:r>
+              <a:rPr lang="en-US" dirty="0"/>
               <a:t>Generated RDFs by feeding the owl file and CSVs to Google Refine</a:t>
             </a:r>
           </a:p>
           <a:p>
-            <a:endParaRPr lang="en-US" dirty="0" smtClean="0"/>
-          </a:p>
-          <a:p>
-            <a:r>
-              <a:rPr lang="en-US" dirty="0" smtClean="0"/>
+            <a:endParaRPr lang="en-US" dirty="0"/>
+          </a:p>
+          <a:p>
+            <a:r>
+              <a:rPr lang="en-US" dirty="0"/>
               <a:t>Total 3 RDFs Generated</a:t>
             </a:r>
           </a:p>
           <a:p>
             <a:pPr lvl="1"/>
             <a:r>
-              <a:rPr lang="en-US" dirty="0" smtClean="0"/>
+              <a:rPr lang="en-US" dirty="0"/>
               <a:t>Representing Products</a:t>
             </a:r>
           </a:p>
           <a:p>
             <a:pPr lvl="1"/>
             <a:r>
-              <a:rPr lang="en-US" dirty="0" smtClean="0"/>
+              <a:rPr lang="en-US" dirty="0"/>
               <a:t>Representing Store Location</a:t>
             </a:r>
           </a:p>
           <a:p>
             <a:pPr lvl="1"/>
             <a:r>
-              <a:rPr lang="en-US" dirty="0" smtClean="0"/>
+              <a:rPr lang="en-US" dirty="0"/>
               <a:t>Representing Nutrient information</a:t>
             </a:r>
           </a:p>
           <a:p>
-            <a:endParaRPr lang="en-US" dirty="0" smtClean="0"/>
-          </a:p>
-          <a:p>
-            <a:endParaRPr lang="en-US" dirty="0" smtClean="0"/>
-          </a:p>
-          <a:p>
-            <a:endParaRPr lang="en-US" dirty="0" smtClean="0"/>
+            <a:endParaRPr lang="en-US" dirty="0"/>
+          </a:p>
+          <a:p>
+            <a:endParaRPr lang="en-US" dirty="0"/>
+          </a:p>
+          <a:p>
+            <a:endParaRPr lang="en-US" dirty="0"/>
           </a:p>
           <a:p>
             <a:endParaRPr lang="en-US" dirty="0"/>
@@ -13890,13 +13862,6 @@
   <p:clrMapOvr>
     <a:masterClrMapping/>
   </p:clrMapOvr>
-  <p:timing>
-    <p:tnLst>
-      <p:par>
-        <p:cTn id="1" dur="indefinite" restart="never" nodeType="tmRoot"/>
-      </p:par>
-    </p:tnLst>
-  </p:timing>
 </p:sld>
 </file>
 
@@ -13933,10 +13898,9 @@
           <a:lstStyle/>
           <a:p>
             <a:r>
-              <a:rPr lang="en-US" dirty="0" smtClean="0"/>
+              <a:rPr lang="en-US" dirty="0"/>
               <a:t>Team and Roles</a:t>
             </a:r>
-            <a:endParaRPr lang="en-US" dirty="0"/>
           </a:p>
         </p:txBody>
       </p:sp>
@@ -13956,45 +13920,33 @@
           <a:lstStyle/>
           <a:p>
             <a:r>
-              <a:rPr lang="en-US" dirty="0" err="1" smtClean="0"/>
-              <a:t>Pranjal</a:t>
-            </a:r>
-            <a:r>
-              <a:rPr lang="en-US" dirty="0" smtClean="0"/>
+              <a:rPr lang="en-US" dirty="0"/>
+              <a:t>Pranjal Karankar (Team Lead) - Data Gathering and Web development</a:t>
+            </a:r>
+          </a:p>
+          <a:p>
+            <a:r>
+              <a:rPr lang="en-US" dirty="0" err="1"/>
+              <a:t>Pushkar</a:t>
+            </a:r>
+            <a:r>
+              <a:rPr lang="en-US" dirty="0"/>
               <a:t> </a:t>
             </a:r>
             <a:r>
-              <a:rPr lang="en-US" dirty="0" err="1" smtClean="0"/>
-              <a:t>Karankar</a:t>
-            </a:r>
-            <a:r>
-              <a:rPr lang="en-US" dirty="0" smtClean="0"/>
-              <a:t> (Team Lead) - Data Gathering and UI design</a:t>
-            </a:r>
-          </a:p>
-          <a:p>
-            <a:r>
-              <a:rPr lang="en-US" dirty="0" err="1" smtClean="0"/>
-              <a:t>Pushkar</a:t>
-            </a:r>
-            <a:r>
-              <a:rPr lang="en-US" dirty="0" smtClean="0"/>
+              <a:rPr lang="en-US" dirty="0" err="1"/>
+              <a:t>Ladhe</a:t>
+            </a:r>
+            <a:r>
+              <a:rPr lang="en-US" dirty="0"/>
               <a:t> </a:t>
             </a:r>
             <a:r>
-              <a:rPr lang="en-US" dirty="0" err="1" smtClean="0"/>
-              <a:t>Ladhe</a:t>
-            </a:r>
-            <a:r>
-              <a:rPr lang="en-US" dirty="0" smtClean="0"/>
-              <a:t> </a:t>
-            </a:r>
-            <a:r>
-              <a:rPr lang="mr-IN" dirty="0" smtClean="0"/>
+              <a:rPr lang="mr-IN" dirty="0"/>
               <a:t>–</a:t>
             </a:r>
             <a:r>
-              <a:rPr lang="en-US" dirty="0" smtClean="0"/>
+              <a:rPr lang="en-US" dirty="0"/>
               <a:t> Data Gathering and deploying RDF on </a:t>
             </a:r>
             <a:r>
@@ -14003,11 +13955,7 @@
             </a:r>
             <a:r>
               <a:rPr lang="en-US" dirty="0"/>
-              <a:t> </a:t>
-            </a:r>
-            <a:r>
-              <a:rPr lang="en-US" dirty="0" smtClean="0"/>
-              <a:t>server</a:t>
+              <a:t> server, Documentation</a:t>
             </a:r>
           </a:p>
           <a:p>
@@ -14021,53 +13969,41 @@
             </a:r>
             <a:r>
               <a:rPr lang="en-US" dirty="0"/>
+              <a:t> SPARQL, Ontology creation and RDF generation using Google refine</a:t>
+            </a:r>
+          </a:p>
+          <a:p>
+            <a:r>
+              <a:rPr lang="en-US" dirty="0" err="1"/>
+              <a:t>Mukulsingh</a:t>
+            </a:r>
+            <a:r>
+              <a:rPr lang="en-US" dirty="0"/>
               <a:t> </a:t>
             </a:r>
             <a:r>
-              <a:rPr lang="en-US" dirty="0" smtClean="0"/>
-              <a:t>Ontology creation </a:t>
+              <a:rPr lang="en-US" dirty="0" err="1"/>
+              <a:t>Jadhav</a:t>
             </a:r>
             <a:r>
               <a:rPr lang="en-US" dirty="0"/>
-              <a:t>and </a:t>
-            </a:r>
-            <a:r>
-              <a:rPr lang="en-US" dirty="0" smtClean="0"/>
-              <a:t>RDF generation using Google refine</a:t>
-            </a:r>
-          </a:p>
-          <a:p>
-            <a:r>
-              <a:rPr lang="en-US" dirty="0" err="1" smtClean="0"/>
-              <a:t>Mukulsingh</a:t>
-            </a:r>
-            <a:r>
-              <a:rPr lang="en-US" dirty="0" smtClean="0"/>
               <a:t> </a:t>
             </a:r>
             <a:r>
-              <a:rPr lang="en-US" dirty="0" err="1" smtClean="0"/>
-              <a:t>Jadhav</a:t>
-            </a:r>
-            <a:r>
-              <a:rPr lang="en-US" dirty="0" smtClean="0"/>
-              <a:t> </a:t>
-            </a:r>
-            <a:r>
-              <a:rPr lang="mr-IN" dirty="0" smtClean="0"/>
+              <a:rPr lang="mr-IN" dirty="0"/>
               <a:t>–</a:t>
             </a:r>
             <a:r>
-              <a:rPr lang="en-US" dirty="0" smtClean="0"/>
-              <a:t> Ontology </a:t>
-            </a:r>
-            <a:r>
               <a:rPr lang="en-US" dirty="0"/>
-              <a:t>and RDF generation using</a:t>
-            </a:r>
-            <a:r>
-              <a:rPr lang="en-US" dirty="0" smtClean="0"/>
-              <a:t> Google refine</a:t>
+              <a:t> SPARQL, </a:t>
+            </a:r>
+            <a:r>
+              <a:rPr lang="en-US" dirty="0" err="1"/>
+              <a:t>Fuseki</a:t>
+            </a:r>
+            <a:r>
+              <a:rPr lang="en-US" dirty="0"/>
+              <a:t> Server, Ontology and RDF generation using Google refine</a:t>
             </a:r>
           </a:p>
           <a:p>
@@ -14085,13 +14021,6 @@
   <p:clrMapOvr>
     <a:masterClrMapping/>
   </p:clrMapOvr>
-  <p:timing>
-    <p:tnLst>
-      <p:par>
-        <p:cTn id="1" dur="indefinite" restart="never" nodeType="tmRoot"/>
-      </p:par>
-    </p:tnLst>
-  </p:timing>
 </p:sld>
 </file>
 
@@ -14128,10 +14057,9 @@
           <a:lstStyle/>
           <a:p>
             <a:r>
-              <a:rPr lang="en-US" dirty="0" smtClean="0"/>
+              <a:rPr lang="en-US" dirty="0"/>
               <a:t>Status of Project</a:t>
             </a:r>
-            <a:endParaRPr lang="en-US" dirty="0"/>
           </a:p>
         </p:txBody>
       </p:sp>
@@ -14151,99 +14079,99 @@
           <a:lstStyle/>
           <a:p>
             <a:r>
-              <a:rPr lang="en-US" dirty="0" smtClean="0"/>
+              <a:rPr lang="en-US" dirty="0"/>
               <a:t>Project Proposal </a:t>
             </a:r>
             <a:r>
-              <a:rPr lang="mr-IN" dirty="0" smtClean="0"/>
+              <a:rPr lang="mr-IN" dirty="0"/>
               <a:t>–</a:t>
             </a:r>
             <a:r>
-              <a:rPr lang="en-US" dirty="0" smtClean="0"/>
+              <a:rPr lang="en-US" dirty="0"/>
               <a:t> Completed</a:t>
             </a:r>
           </a:p>
           <a:p>
             <a:r>
-              <a:rPr lang="en-US" dirty="0" smtClean="0"/>
+              <a:rPr lang="en-US" dirty="0"/>
               <a:t>Dataset Hunting </a:t>
             </a:r>
             <a:r>
-              <a:rPr lang="mr-IN" dirty="0" smtClean="0"/>
+              <a:rPr lang="mr-IN" dirty="0"/>
               <a:t>–</a:t>
             </a:r>
             <a:r>
-              <a:rPr lang="en-US" dirty="0" smtClean="0"/>
+              <a:rPr lang="en-US" dirty="0"/>
               <a:t> Completed</a:t>
             </a:r>
           </a:p>
           <a:p>
             <a:r>
-              <a:rPr lang="en-US" dirty="0" smtClean="0"/>
+              <a:rPr lang="en-US" dirty="0"/>
               <a:t>Ontology - Completed</a:t>
             </a:r>
           </a:p>
           <a:p>
             <a:r>
-              <a:rPr lang="en-US" dirty="0" smtClean="0"/>
+              <a:rPr lang="en-US" dirty="0"/>
               <a:t>RDF linked data generation </a:t>
             </a:r>
             <a:r>
-              <a:rPr lang="mr-IN" dirty="0" smtClean="0"/>
+              <a:rPr lang="mr-IN" dirty="0"/>
               <a:t>–</a:t>
             </a:r>
             <a:r>
-              <a:rPr lang="en-US" dirty="0" smtClean="0"/>
+              <a:rPr lang="en-US" dirty="0"/>
               <a:t> Completed</a:t>
             </a:r>
           </a:p>
           <a:p>
             <a:r>
-              <a:rPr lang="en-US" dirty="0" smtClean="0"/>
+              <a:rPr lang="en-US" dirty="0"/>
               <a:t>Web Application Mockups and UI design </a:t>
             </a:r>
             <a:r>
-              <a:rPr lang="mr-IN" dirty="0" smtClean="0"/>
+              <a:rPr lang="mr-IN" dirty="0"/>
               <a:t>–</a:t>
             </a:r>
             <a:r>
-              <a:rPr lang="en-US" dirty="0" smtClean="0"/>
+              <a:rPr lang="en-US" dirty="0"/>
               <a:t>Completed</a:t>
             </a:r>
           </a:p>
           <a:p>
             <a:r>
-              <a:rPr lang="en-US" dirty="0" smtClean="0"/>
+              <a:rPr lang="en-US" dirty="0"/>
               <a:t>Web development </a:t>
             </a:r>
             <a:r>
-              <a:rPr lang="mr-IN" dirty="0" smtClean="0"/>
+              <a:rPr lang="mr-IN" dirty="0"/>
               <a:t>–</a:t>
             </a:r>
             <a:r>
-              <a:rPr lang="en-US" dirty="0" smtClean="0"/>
+              <a:rPr lang="en-US" dirty="0"/>
               <a:t> In progress</a:t>
             </a:r>
           </a:p>
           <a:p>
             <a:r>
-              <a:rPr lang="en-US" dirty="0" smtClean="0"/>
+              <a:rPr lang="en-US" dirty="0"/>
               <a:t>Deployment on </a:t>
             </a:r>
             <a:r>
-              <a:rPr lang="en-US" dirty="0" err="1" smtClean="0"/>
+              <a:rPr lang="en-US" dirty="0" err="1"/>
               <a:t>Fuseki</a:t>
             </a:r>
             <a:r>
-              <a:rPr lang="en-US" dirty="0" smtClean="0"/>
+              <a:rPr lang="en-US" dirty="0"/>
               <a:t> server </a:t>
             </a:r>
             <a:r>
-              <a:rPr lang="mr-IN" dirty="0" smtClean="0"/>
+              <a:rPr lang="mr-IN" dirty="0"/>
               <a:t>–</a:t>
             </a:r>
             <a:r>
-              <a:rPr lang="en-US" smtClean="0"/>
+              <a:rPr lang="en-US"/>
               <a:t> In progress </a:t>
             </a:r>
             <a:endParaRPr lang="en-US" dirty="0"/>
@@ -14260,13 +14188,6 @@
   <p:clrMapOvr>
     <a:masterClrMapping/>
   </p:clrMapOvr>
-  <p:timing>
-    <p:tnLst>
-      <p:par>
-        <p:cTn id="1" dur="indefinite" restart="never" nodeType="tmRoot"/>
-      </p:par>
-    </p:tnLst>
-  </p:timing>
 </p:sld>
 </file>
 
@@ -14337,10 +14258,9 @@
               <a:buNone/>
             </a:pPr>
             <a:r>
-              <a:rPr lang="en-US" sz="2400" dirty="0" smtClean="0"/>
+              <a:rPr lang="en-US" sz="2400" dirty="0"/>
               <a:t>THANK YOU!!</a:t>
             </a:r>
-            <a:endParaRPr lang="en-US" sz="2400" dirty="0"/>
           </a:p>
         </p:txBody>
       </p:sp>
@@ -14354,13 +14274,6 @@
   <p:clrMapOvr>
     <a:masterClrMapping/>
   </p:clrMapOvr>
-  <p:timing>
-    <p:tnLst>
-      <p:par>
-        <p:cTn id="1" dur="indefinite" restart="never" nodeType="tmRoot"/>
-      </p:par>
-    </p:tnLst>
-  </p:timing>
 </p:sld>
 </file>
 
@@ -14397,10 +14310,9 @@
           <a:lstStyle/>
           <a:p>
             <a:r>
-              <a:rPr lang="en-US" dirty="0" smtClean="0"/>
-              <a:t>Contents</a:t>
-            </a:r>
-            <a:endParaRPr lang="en-US" dirty="0"/>
+              <a:rPr lang="en-US" dirty="0"/>
+              <a:t>Learning</a:t>
+            </a:r>
           </a:p>
         </p:txBody>
       </p:sp>
@@ -14417,82 +14329,52 @@
         <p:spPr/>
         <p:txBody>
           <a:bodyPr>
-            <a:normAutofit fontScale="92500" lnSpcReduction="10000"/>
+            <a:normAutofit/>
           </a:bodyPr>
           <a:lstStyle/>
           <a:p>
-            <a:r>
-              <a:rPr lang="en-US" dirty="0" smtClean="0"/>
-              <a:t>Motivation</a:t>
-            </a:r>
-          </a:p>
-          <a:p>
-            <a:r>
-              <a:rPr lang="en-US" dirty="0" smtClean="0"/>
-              <a:t>Datasets used</a:t>
-            </a:r>
             <a:endParaRPr lang="en-US" dirty="0"/>
           </a:p>
           <a:p>
             <a:r>
-              <a:rPr lang="en-US" dirty="0" smtClean="0"/>
+              <a:rPr lang="en-US" dirty="0"/>
+              <a:t>Datasets retrieval </a:t>
+            </a:r>
+          </a:p>
+          <a:p>
+            <a:r>
+              <a:rPr lang="en-US" dirty="0"/>
               <a:t>Sematic Data Model (Ontology)</a:t>
             </a:r>
           </a:p>
           <a:p>
             <a:r>
-              <a:rPr lang="en-US" dirty="0" smtClean="0"/>
-              <a:t>Application</a:t>
-            </a:r>
-          </a:p>
-          <a:p>
-            <a:r>
-              <a:rPr lang="en-US" dirty="0" smtClean="0"/>
+              <a:rPr lang="en-US" dirty="0"/>
+              <a:t>Web Application</a:t>
+            </a:r>
+          </a:p>
+          <a:p>
+            <a:r>
+              <a:rPr lang="en-US" dirty="0"/>
               <a:t>User Interface</a:t>
             </a:r>
           </a:p>
           <a:p>
             <a:r>
-              <a:rPr lang="en-US" dirty="0" smtClean="0"/>
-              <a:t>Data Retrieval</a:t>
-            </a:r>
-          </a:p>
-          <a:p>
-            <a:r>
-              <a:rPr lang="en-US" dirty="0" smtClean="0"/>
-              <a:t>Linked </a:t>
-            </a:r>
-            <a:r>
               <a:rPr lang="en-US" dirty="0"/>
-              <a:t>data </a:t>
-            </a:r>
-            <a:r>
-              <a:rPr lang="en-US" dirty="0" smtClean="0"/>
-              <a:t>generation</a:t>
-            </a:r>
-          </a:p>
-          <a:p>
-            <a:r>
-              <a:rPr lang="en-US" dirty="0" smtClean="0"/>
-              <a:t>How </a:t>
-            </a:r>
+              <a:t>Linked data generation</a:t>
+            </a:r>
+          </a:p>
+          <a:p>
             <a:r>
               <a:rPr lang="en-US" dirty="0"/>
-              <a:t>do you plan to use the integrated </a:t>
-            </a:r>
-            <a:r>
-              <a:rPr lang="en-US" dirty="0" smtClean="0"/>
-              <a:t>data</a:t>
-            </a:r>
-          </a:p>
-          <a:p>
-            <a:r>
-              <a:rPr lang="en-US" dirty="0" smtClean="0"/>
-              <a:t>Teamwork,  collaboration</a:t>
-            </a:r>
+              <a:t>How do you plan to use the integrated data</a:t>
+            </a:r>
+          </a:p>
+          <a:p>
             <a:r>
               <a:rPr lang="en-US" dirty="0"/>
-              <a:t>, work distribution &amp; responsibilities</a:t>
+              <a:t>Teamwork,  collaboration, work distribution &amp; responsibilities</a:t>
             </a:r>
           </a:p>
         </p:txBody>
@@ -14507,13 +14389,6 @@
   <p:clrMapOvr>
     <a:masterClrMapping/>
   </p:clrMapOvr>
-  <p:timing>
-    <p:tnLst>
-      <p:par>
-        <p:cTn id="1" dur="indefinite" restart="never" nodeType="tmRoot"/>
-      </p:par>
-    </p:tnLst>
-  </p:timing>
 </p:sld>
 </file>
 
@@ -14550,10 +14425,9 @@
           <a:lstStyle/>
           <a:p>
             <a:r>
-              <a:rPr lang="en-US" dirty="0" smtClean="0"/>
+              <a:rPr lang="en-US" dirty="0"/>
               <a:t>Motivation</a:t>
             </a:r>
-            <a:endParaRPr lang="en-US" dirty="0"/>
           </a:p>
         </p:txBody>
       </p:sp>
@@ -14573,24 +14447,24 @@
           <a:lstStyle/>
           <a:p>
             <a:r>
-              <a:rPr lang="en-US" dirty="0" smtClean="0"/>
+              <a:rPr lang="en-US" dirty="0"/>
               <a:t>A one stop solution to compare price for products at different grocery stores</a:t>
             </a:r>
           </a:p>
           <a:p>
             <a:r>
-              <a:rPr lang="en-US" dirty="0" smtClean="0"/>
+              <a:rPr lang="en-US" dirty="0"/>
               <a:t>We are trying to address this and make the choices optimal and user friendly</a:t>
             </a:r>
           </a:p>
           <a:p>
             <a:r>
-              <a:rPr lang="en-US" dirty="0" smtClean="0"/>
+              <a:rPr lang="en-US" dirty="0"/>
               <a:t>Provide nutrition information for various products and comparing the prices</a:t>
             </a:r>
           </a:p>
           <a:p>
-            <a:endParaRPr lang="en-US" dirty="0" smtClean="0"/>
+            <a:endParaRPr lang="en-US" dirty="0"/>
           </a:p>
           <a:p>
             <a:endParaRPr lang="en-US" dirty="0"/>
@@ -14607,13 +14481,6 @@
   <p:clrMapOvr>
     <a:masterClrMapping/>
   </p:clrMapOvr>
-  <p:timing>
-    <p:tnLst>
-      <p:par>
-        <p:cTn id="1" dur="indefinite" restart="never" nodeType="tmRoot"/>
-      </p:par>
-    </p:tnLst>
-  </p:timing>
 </p:sld>
 </file>
 
@@ -14650,10 +14517,9 @@
           <a:lstStyle/>
           <a:p>
             <a:r>
-              <a:rPr lang="en-US" dirty="0" smtClean="0"/>
+              <a:rPr lang="en-US" dirty="0"/>
               <a:t>Datasets</a:t>
             </a:r>
-            <a:endParaRPr lang="en-US" dirty="0"/>
           </a:p>
         </p:txBody>
       </p:sp>
@@ -14680,47 +14546,34 @@
               <a:rPr lang="en-US" dirty="0">
                 <a:hlinkClick r:id="rId2"/>
               </a:rPr>
-              <a:t>https://developer.walmartlabs.com</a:t>
-            </a:r>
-            <a:r>
-              <a:rPr lang="en-US" dirty="0" smtClean="0">
-                <a:hlinkClick r:id="rId2"/>
-              </a:rPr>
-              <a:t>/)</a:t>
+              <a:t>https://developer.walmartlabs.com/)</a:t>
             </a:r>
             <a:endParaRPr lang="en-US" dirty="0"/>
           </a:p>
           <a:p>
-            <a:endParaRPr lang="en-US" dirty="0" smtClean="0"/>
-          </a:p>
-          <a:p>
-            <a:r>
-              <a:rPr lang="en-US" dirty="0" smtClean="0"/>
+            <a:endParaRPr lang="en-US" dirty="0"/>
+          </a:p>
+          <a:p>
+            <a:r>
+              <a:rPr lang="en-US" dirty="0"/>
               <a:t>USDA (</a:t>
             </a:r>
             <a:r>
               <a:rPr lang="en-US" dirty="0">
                 <a:hlinkClick r:id="rId3"/>
               </a:rPr>
-              <a:t>https://ndb.nal.usda.gov/ndb/doc/index</a:t>
-            </a:r>
-            <a:r>
-              <a:rPr lang="en-US" dirty="0" smtClean="0">
-                <a:hlinkClick r:id="rId3"/>
-              </a:rPr>
-              <a:t>)</a:t>
-            </a:r>
-            <a:endParaRPr lang="en-US" dirty="0" smtClean="0"/>
-          </a:p>
-          <a:p>
-            <a:endParaRPr lang="en-US" dirty="0" smtClean="0"/>
-          </a:p>
-          <a:p>
-            <a:r>
-              <a:rPr lang="en-US" dirty="0" smtClean="0"/>
+              <a:t>https://ndb.nal.usda.gov/ndb/doc/index)</a:t>
+            </a:r>
+            <a:endParaRPr lang="en-US" dirty="0"/>
+          </a:p>
+          <a:p>
+            <a:endParaRPr lang="en-US" dirty="0"/>
+          </a:p>
+          <a:p>
+            <a:r>
+              <a:rPr lang="en-US" dirty="0"/>
               <a:t>Safeway (Manually crawled)</a:t>
             </a:r>
-            <a:endParaRPr lang="en-US" dirty="0"/>
           </a:p>
         </p:txBody>
       </p:sp>
@@ -14734,13 +14587,6 @@
   <p:clrMapOvr>
     <a:masterClrMapping/>
   </p:clrMapOvr>
-  <p:timing>
-    <p:tnLst>
-      <p:par>
-        <p:cTn id="1" dur="indefinite" restart="never" nodeType="tmRoot"/>
-      </p:par>
-    </p:tnLst>
-  </p:timing>
 </p:sld>
 </file>
 
@@ -14777,10 +14623,9 @@
           <a:lstStyle/>
           <a:p>
             <a:r>
-              <a:rPr lang="en-US" dirty="0" smtClean="0"/>
+              <a:rPr lang="en-US" dirty="0"/>
               <a:t>Ontology</a:t>
             </a:r>
-            <a:endParaRPr lang="en-US" dirty="0"/>
           </a:p>
         </p:txBody>
       </p:sp>
@@ -14823,13 +14668,6 @@
   <p:clrMapOvr>
     <a:masterClrMapping/>
   </p:clrMapOvr>
-  <p:timing>
-    <p:tnLst>
-      <p:par>
-        <p:cTn id="1" dur="indefinite" restart="never" nodeType="tmRoot"/>
-      </p:par>
-    </p:tnLst>
-  </p:timing>
 </p:sld>
 </file>
 
@@ -14866,10 +14704,9 @@
           <a:lstStyle/>
           <a:p>
             <a:r>
-              <a:rPr lang="en-US" dirty="0" smtClean="0"/>
+              <a:rPr lang="en-US" dirty="0"/>
               <a:t>Web Application</a:t>
             </a:r>
-            <a:endParaRPr lang="en-US" dirty="0"/>
           </a:p>
         </p:txBody>
       </p:sp>
@@ -14890,28 +14727,24 @@
           <a:p>
             <a:r>
               <a:rPr lang="en-US" dirty="0"/>
-              <a:t>Browsing through grocery </a:t>
-            </a:r>
-            <a:r>
-              <a:rPr lang="en-US" dirty="0" smtClean="0"/>
-              <a:t>items based on product category</a:t>
-            </a:r>
-          </a:p>
-          <a:p>
-            <a:r>
-              <a:rPr lang="en-US" dirty="0" smtClean="0"/>
+              <a:t>Browsing through grocery items based on product category</a:t>
+            </a:r>
+          </a:p>
+          <a:p>
+            <a:r>
+              <a:rPr lang="en-US" dirty="0"/>
               <a:t>A web application that shows price information of products at one place</a:t>
             </a:r>
           </a:p>
           <a:p>
             <a:r>
-              <a:rPr lang="en-US" dirty="0" smtClean="0"/>
+              <a:rPr lang="en-US" dirty="0"/>
               <a:t>This provide user one stop to compare prices and save some bucks</a:t>
             </a:r>
           </a:p>
           <a:p>
             <a:r>
-              <a:rPr lang="en-US" dirty="0" smtClean="0"/>
+              <a:rPr lang="en-US" dirty="0"/>
               <a:t>Provides nutrition information about the food items</a:t>
             </a:r>
           </a:p>
@@ -14919,7 +14752,7 @@
             <a:endParaRPr lang="en-US" dirty="0"/>
           </a:p>
           <a:p>
-            <a:endParaRPr lang="en-US" dirty="0" smtClean="0"/>
+            <a:endParaRPr lang="en-US" dirty="0"/>
           </a:p>
         </p:txBody>
       </p:sp>
@@ -14933,13 +14766,6 @@
   <p:clrMapOvr>
     <a:masterClrMapping/>
   </p:clrMapOvr>
-  <p:timing>
-    <p:tnLst>
-      <p:par>
-        <p:cTn id="1" dur="indefinite" restart="never" nodeType="tmRoot"/>
-      </p:par>
-    </p:tnLst>
-  </p:timing>
 </p:sld>
 </file>
 
@@ -14976,10 +14802,9 @@
           <a:lstStyle/>
           <a:p>
             <a:r>
-              <a:rPr lang="en-US" dirty="0" smtClean="0"/>
+              <a:rPr lang="en-US" dirty="0"/>
               <a:t>Web Application Design Pattern</a:t>
             </a:r>
-            <a:endParaRPr lang="en-US" dirty="0"/>
           </a:p>
         </p:txBody>
       </p:sp>
@@ -14999,54 +14824,53 @@
           <a:lstStyle/>
           <a:p>
             <a:r>
-              <a:rPr lang="en-US" dirty="0" smtClean="0"/>
+              <a:rPr lang="en-US" dirty="0"/>
               <a:t>Developing single page web application</a:t>
             </a:r>
           </a:p>
           <a:p>
             <a:r>
-              <a:rPr lang="en-US" dirty="0" smtClean="0"/>
+              <a:rPr lang="en-US" dirty="0"/>
               <a:t>Technologies used include HTML 5, CSS 3, Bootstrap 4</a:t>
             </a:r>
           </a:p>
           <a:p>
             <a:r>
-              <a:rPr lang="en-US" dirty="0" err="1" smtClean="0"/>
+              <a:rPr lang="en-US" dirty="0" err="1"/>
               <a:t>Javascript</a:t>
             </a:r>
             <a:r>
-              <a:rPr lang="en-US" dirty="0" smtClean="0"/>
+              <a:rPr lang="en-US" dirty="0"/>
               <a:t> for browser centric application development</a:t>
             </a:r>
           </a:p>
           <a:p>
             <a:r>
-              <a:rPr lang="en-US" dirty="0" smtClean="0"/>
+              <a:rPr lang="en-US" dirty="0"/>
               <a:t>RDFs are deployed at </a:t>
             </a:r>
             <a:r>
-              <a:rPr lang="en-US" dirty="0" err="1" smtClean="0"/>
+              <a:rPr lang="en-US" dirty="0" err="1"/>
               <a:t>Fuseki</a:t>
             </a:r>
             <a:r>
-              <a:rPr lang="en-US" dirty="0" smtClean="0"/>
+              <a:rPr lang="en-US" dirty="0"/>
               <a:t> server</a:t>
             </a:r>
           </a:p>
           <a:p>
             <a:r>
-              <a:rPr lang="en-US" dirty="0" smtClean="0"/>
+              <a:rPr lang="en-US" dirty="0"/>
               <a:t>API driven application where client requests APIs provided by </a:t>
             </a:r>
             <a:r>
-              <a:rPr lang="en-US" dirty="0" err="1" smtClean="0"/>
+              <a:rPr lang="en-US" dirty="0" err="1"/>
               <a:t>Fuseki</a:t>
             </a:r>
             <a:r>
-              <a:rPr lang="en-US" dirty="0" smtClean="0"/>
+              <a:rPr lang="en-US" dirty="0"/>
               <a:t> server</a:t>
             </a:r>
-            <a:endParaRPr lang="en-US" dirty="0"/>
           </a:p>
         </p:txBody>
       </p:sp>
@@ -15060,13 +14884,6 @@
   <p:clrMapOvr>
     <a:masterClrMapping/>
   </p:clrMapOvr>
-  <p:timing>
-    <p:tnLst>
-      <p:par>
-        <p:cTn id="1" dur="indefinite" restart="never" nodeType="tmRoot"/>
-      </p:par>
-    </p:tnLst>
-  </p:timing>
 </p:sld>
 </file>
 
@@ -15109,18 +14926,13 @@
           <a:p>
             <a:pPr algn="ctr"/>
             <a:r>
-              <a:rPr lang="en-US" b="1" dirty="0" smtClean="0">
+              <a:rPr lang="en-US" b="1" dirty="0">
                 <a:solidFill>
                   <a:schemeClr val="tx1"/>
                 </a:solidFill>
               </a:rPr>
               <a:t>Website Mockups</a:t>
             </a:r>
-            <a:endParaRPr lang="en-US" b="1" dirty="0">
-              <a:solidFill>
-                <a:schemeClr val="tx1"/>
-              </a:solidFill>
-            </a:endParaRPr>
           </a:p>
         </p:txBody>
       </p:sp>
@@ -15134,13 +14946,6 @@
   <p:clrMapOvr>
     <a:masterClrMapping/>
   </p:clrMapOvr>
-  <p:timing>
-    <p:tnLst>
-      <p:par>
-        <p:cTn id="1" dur="indefinite" restart="never" nodeType="tmRoot"/>
-      </p:par>
-    </p:tnLst>
-  </p:timing>
 </p:sld>
 </file>
 
@@ -15200,13 +15005,6 @@
   <p:clrMapOvr>
     <a:masterClrMapping/>
   </p:clrMapOvr>
-  <p:timing>
-    <p:tnLst>
-      <p:par>
-        <p:cTn id="1" dur="indefinite" restart="never" nodeType="tmRoot"/>
-      </p:par>
-    </p:tnLst>
-  </p:timing>
 </p:sld>
 </file>
 
